--- a/notebook/LeetCode刷题/大厂刷题班PPT/第3节.pptx
+++ b/notebook/LeetCode刷题/大厂刷题班PPT/第3节.pptx
@@ -9,14 +9,14 @@
   </p:notesMasterIdLst>
   <p:sldIdLst>
     <p:sldId id="256" r:id="rId2"/>
-    <p:sldId id="300" r:id="rId3"/>
-    <p:sldId id="296" r:id="rId4"/>
-    <p:sldId id="297" r:id="rId5"/>
-    <p:sldId id="298" r:id="rId6"/>
-    <p:sldId id="299" r:id="rId7"/>
-    <p:sldId id="302" r:id="rId8"/>
-    <p:sldId id="301" r:id="rId9"/>
-    <p:sldId id="303" r:id="rId10"/>
+    <p:sldId id="303" r:id="rId3"/>
+    <p:sldId id="298" r:id="rId4"/>
+    <p:sldId id="300" r:id="rId5"/>
+    <p:sldId id="296" r:id="rId6"/>
+    <p:sldId id="297" r:id="rId7"/>
+    <p:sldId id="299" r:id="rId8"/>
+    <p:sldId id="302" r:id="rId9"/>
+    <p:sldId id="301" r:id="rId10"/>
   </p:sldIdLst>
   <p:sldSz cx="12192000" cy="6858000"/>
   <p:notesSz cx="6858000" cy="9144000"/>
@@ -205,7 +205,7 @@
           <a:p>
             <a:fld id="{782028E9-46BA-4C86-9A29-AE961B0360E3}" type="datetimeFigureOut">
               <a:rPr lang="zh-CN" altLang="en-US" smtClean="0"/>
-              <a:t>2021/4/27</a:t>
+              <a:t>2022/7/12</a:t>
             </a:fld>
             <a:endParaRPr lang="zh-CN" altLang="en-US"/>
           </a:p>
@@ -619,7 +619,7 @@
           <a:p>
             <a:fld id="{CD197A10-BDA0-4058-9A33-0C5238F4F282}" type="datetime1">
               <a:rPr lang="zh-CN" altLang="en-US" smtClean="0"/>
-              <a:t>2021/4/27</a:t>
+              <a:t>2022/7/12</a:t>
             </a:fld>
             <a:endParaRPr lang="zh-CN" altLang="en-US"/>
           </a:p>
@@ -825,7 +825,7 @@
           <a:p>
             <a:fld id="{85AB0413-2FFF-46C2-98D1-488EA38DD690}" type="datetime1">
               <a:rPr lang="zh-CN" altLang="en-US" smtClean="0"/>
-              <a:t>2021/4/27</a:t>
+              <a:t>2022/7/12</a:t>
             </a:fld>
             <a:endParaRPr lang="zh-CN" altLang="en-US"/>
           </a:p>
@@ -1041,7 +1041,7 @@
           <a:p>
             <a:fld id="{50DA80E8-AB52-4369-B0E8-CCA8E04F18AF}" type="datetime1">
               <a:rPr lang="zh-CN" altLang="en-US" smtClean="0"/>
-              <a:t>2021/4/27</a:t>
+              <a:t>2022/7/12</a:t>
             </a:fld>
             <a:endParaRPr lang="zh-CN" altLang="en-US"/>
           </a:p>
@@ -1247,7 +1247,7 @@
           <a:p>
             <a:fld id="{2750015E-B5F4-40FB-A420-771076B76725}" type="datetime1">
               <a:rPr lang="zh-CN" altLang="en-US" smtClean="0"/>
-              <a:t>2021/4/27</a:t>
+              <a:t>2022/7/12</a:t>
             </a:fld>
             <a:endParaRPr lang="zh-CN" altLang="en-US"/>
           </a:p>
@@ -1530,7 +1530,7 @@
           <a:p>
             <a:fld id="{D8D7F58D-6340-4258-84B2-51D872870289}" type="datetime1">
               <a:rPr lang="zh-CN" altLang="en-US" smtClean="0"/>
-              <a:t>2021/4/27</a:t>
+              <a:t>2022/7/12</a:t>
             </a:fld>
             <a:endParaRPr lang="zh-CN" altLang="en-US"/>
           </a:p>
@@ -1803,7 +1803,7 @@
           <a:p>
             <a:fld id="{CF95930F-BC8D-4291-A347-52EE457F28AC}" type="datetime1">
               <a:rPr lang="zh-CN" altLang="en-US" smtClean="0"/>
-              <a:t>2021/4/27</a:t>
+              <a:t>2022/7/12</a:t>
             </a:fld>
             <a:endParaRPr lang="zh-CN" altLang="en-US"/>
           </a:p>
@@ -2223,7 +2223,7 @@
           <a:p>
             <a:fld id="{A0144562-18EF-4804-B489-529351FE0EFB}" type="datetime1">
               <a:rPr lang="zh-CN" altLang="en-US" smtClean="0"/>
-              <a:t>2021/4/27</a:t>
+              <a:t>2022/7/12</a:t>
             </a:fld>
             <a:endParaRPr lang="zh-CN" altLang="en-US"/>
           </a:p>
@@ -2372,7 +2372,7 @@
           <a:p>
             <a:fld id="{87AACDD8-1178-4728-8218-7551296B221B}" type="datetime1">
               <a:rPr lang="zh-CN" altLang="en-US" smtClean="0"/>
-              <a:t>2021/4/27</a:t>
+              <a:t>2022/7/12</a:t>
             </a:fld>
             <a:endParaRPr lang="zh-CN" altLang="en-US"/>
           </a:p>
@@ -2493,7 +2493,7 @@
           <a:p>
             <a:fld id="{03893235-274C-41AC-BC84-3C7717B495DB}" type="datetime1">
               <a:rPr lang="zh-CN" altLang="en-US" smtClean="0"/>
-              <a:t>2021/4/27</a:t>
+              <a:t>2022/7/12</a:t>
             </a:fld>
             <a:endParaRPr lang="zh-CN" altLang="en-US"/>
           </a:p>
@@ -2812,7 +2812,7 @@
           <a:p>
             <a:fld id="{B9E0922B-B69D-4DE3-9B28-B7CBDD995048}" type="datetime1">
               <a:rPr lang="zh-CN" altLang="en-US" smtClean="0"/>
-              <a:t>2021/4/27</a:t>
+              <a:t>2022/7/12</a:t>
             </a:fld>
             <a:endParaRPr lang="zh-CN" altLang="en-US"/>
           </a:p>
@@ -3108,7 +3108,7 @@
           <a:p>
             <a:fld id="{42048F93-B386-48E1-A4A4-90C957DCE639}" type="datetime1">
               <a:rPr lang="zh-CN" altLang="en-US" smtClean="0"/>
-              <a:t>2021/4/27</a:t>
+              <a:t>2022/7/12</a:t>
             </a:fld>
             <a:endParaRPr lang="zh-CN" altLang="en-US"/>
           </a:p>
@@ -3357,7 +3357,7 @@
           <a:p>
             <a:fld id="{2E2D3690-DEAE-4EF6-9EC5-36B2D000055D}" type="datetime1">
               <a:rPr lang="zh-CN" altLang="en-US" smtClean="0"/>
-              <a:t>2021/4/27</a:t>
+              <a:t>2022/7/12</a:t>
             </a:fld>
             <a:endParaRPr lang="zh-CN" altLang="en-US"/>
           </a:p>
@@ -4009,6 +4009,627 @@
             </a:r>
             <a:r>
               <a:rPr lang="en-US" altLang="zh-CN" sz="3200" dirty="0"/>
+              <a:t>8</a:t>
+            </a:r>
+            <a:endParaRPr lang="zh-CN" altLang="en-US" sz="3200" dirty="0"/>
+          </a:p>
+        </p:txBody>
+      </p:sp>
+      <p:sp>
+        <p:nvSpPr>
+          <p:cNvPr id="3" name="内容占位符 2">
+            <a:extLst>
+              <a:ext uri="{FF2B5EF4-FFF2-40B4-BE49-F238E27FC236}">
+                <a16:creationId xmlns:a16="http://schemas.microsoft.com/office/drawing/2014/main" id="{FCF28F77-6743-40F7-B661-7DE6BEDC6A0B}"/>
+              </a:ext>
+            </a:extLst>
+          </p:cNvPr>
+          <p:cNvSpPr>
+            <a:spLocks noGrp="1"/>
+          </p:cNvSpPr>
+          <p:nvPr>
+            <p:ph idx="1"/>
+          </p:nvPr>
+        </p:nvSpPr>
+        <p:spPr>
+          <a:xfrm>
+            <a:off x="838200" y="2912727"/>
+            <a:ext cx="10515600" cy="2934620"/>
+          </a:xfrm>
+        </p:spPr>
+        <p:txBody>
+          <a:bodyPr>
+            <a:normAutofit lnSpcReduction="10000"/>
+          </a:bodyPr>
+          <a:lstStyle/>
+          <a:p>
+            <a:pPr marL="0" marR="0" lvl="0" indent="0" defTabSz="914400" eaLnBrk="1" fontAlgn="auto" latinLnBrk="0" hangingPunct="1">
+              <a:lnSpc>
+                <a:spcPct val="100000"/>
+              </a:lnSpc>
+              <a:spcBef>
+                <a:spcPts val="0"/>
+              </a:spcBef>
+              <a:spcAft>
+                <a:spcPts val="0"/>
+              </a:spcAft>
+              <a:buClrTx/>
+              <a:buSzTx/>
+              <a:buFontTx/>
+              <a:buNone/>
+              <a:tabLst/>
+              <a:defRPr/>
+            </a:pPr>
+            <a:r>
+              <a:rPr lang="zh-CN" altLang="en-US" dirty="0"/>
+              <a:t>给定三个参数：</a:t>
+            </a:r>
+            <a:endParaRPr lang="en-US" altLang="zh-CN" dirty="0"/>
+          </a:p>
+          <a:p>
+            <a:pPr marL="0" marR="0" lvl="0" indent="0" defTabSz="914400" eaLnBrk="1" fontAlgn="auto" latinLnBrk="0" hangingPunct="1">
+              <a:lnSpc>
+                <a:spcPct val="100000"/>
+              </a:lnSpc>
+              <a:spcBef>
+                <a:spcPts val="0"/>
+              </a:spcBef>
+              <a:spcAft>
+                <a:spcPts val="0"/>
+              </a:spcAft>
+              <a:buClrTx/>
+              <a:buSzTx/>
+              <a:buFontTx/>
+              <a:buNone/>
+              <a:tabLst/>
+              <a:defRPr/>
+            </a:pPr>
+            <a:endParaRPr lang="en-US" altLang="zh-CN" dirty="0"/>
+          </a:p>
+          <a:p>
+            <a:pPr marL="0" marR="0" lvl="0" indent="0" defTabSz="914400" eaLnBrk="1" fontAlgn="auto" latinLnBrk="0" hangingPunct="1">
+              <a:lnSpc>
+                <a:spcPct val="100000"/>
+              </a:lnSpc>
+              <a:spcBef>
+                <a:spcPts val="0"/>
+              </a:spcBef>
+              <a:spcAft>
+                <a:spcPts val="0"/>
+              </a:spcAft>
+              <a:buClrTx/>
+              <a:buSzTx/>
+              <a:buFontTx/>
+              <a:buNone/>
+              <a:tabLst/>
+              <a:defRPr/>
+            </a:pPr>
+            <a:r>
+              <a:rPr lang="zh-CN" altLang="en-US" dirty="0"/>
+              <a:t>二叉树的头节点</a:t>
+            </a:r>
+            <a:r>
+              <a:rPr lang="en-US" altLang="zh-CN" dirty="0"/>
+              <a:t>head</a:t>
+            </a:r>
+            <a:r>
+              <a:rPr lang="zh-CN" altLang="en-US" dirty="0"/>
+              <a:t>，树上某个节点</a:t>
+            </a:r>
+            <a:r>
+              <a:rPr lang="en-US" altLang="zh-CN" dirty="0"/>
+              <a:t>target</a:t>
+            </a:r>
+            <a:r>
+              <a:rPr lang="zh-CN" altLang="en-US" dirty="0"/>
+              <a:t>，正数</a:t>
+            </a:r>
+            <a:r>
+              <a:rPr lang="en-US" altLang="zh-CN" dirty="0"/>
+              <a:t>K</a:t>
+            </a:r>
+          </a:p>
+          <a:p>
+            <a:pPr marL="0" marR="0" lvl="0" indent="0" defTabSz="914400" eaLnBrk="1" fontAlgn="auto" latinLnBrk="0" hangingPunct="1">
+              <a:lnSpc>
+                <a:spcPct val="100000"/>
+              </a:lnSpc>
+              <a:spcBef>
+                <a:spcPts val="0"/>
+              </a:spcBef>
+              <a:spcAft>
+                <a:spcPts val="0"/>
+              </a:spcAft>
+              <a:buClrTx/>
+              <a:buSzTx/>
+              <a:buFontTx/>
+              <a:buNone/>
+              <a:tabLst/>
+              <a:defRPr/>
+            </a:pPr>
+            <a:endParaRPr lang="en-US" altLang="zh-CN" dirty="0"/>
+          </a:p>
+          <a:p>
+            <a:pPr marL="0" marR="0" lvl="0" indent="0" defTabSz="914400" eaLnBrk="1" fontAlgn="auto" latinLnBrk="0" hangingPunct="1">
+              <a:lnSpc>
+                <a:spcPct val="100000"/>
+              </a:lnSpc>
+              <a:spcBef>
+                <a:spcPts val="0"/>
+              </a:spcBef>
+              <a:spcAft>
+                <a:spcPts val="0"/>
+              </a:spcAft>
+              <a:buClrTx/>
+              <a:buSzTx/>
+              <a:buFontTx/>
+              <a:buNone/>
+              <a:tabLst/>
+              <a:defRPr/>
+            </a:pPr>
+            <a:r>
+              <a:rPr lang="zh-CN" altLang="en-US" dirty="0"/>
+              <a:t>从</a:t>
+            </a:r>
+            <a:r>
+              <a:rPr lang="en-US" altLang="zh-CN" dirty="0"/>
+              <a:t>target</a:t>
+            </a:r>
+            <a:r>
+              <a:rPr lang="zh-CN" altLang="en-US" dirty="0"/>
+              <a:t>开始，可以向上走或者向下走</a:t>
+            </a:r>
+            <a:endParaRPr lang="en-US" altLang="zh-CN" dirty="0"/>
+          </a:p>
+          <a:p>
+            <a:pPr marL="0" marR="0" lvl="0" indent="0" defTabSz="914400" eaLnBrk="1" fontAlgn="auto" latinLnBrk="0" hangingPunct="1">
+              <a:lnSpc>
+                <a:spcPct val="100000"/>
+              </a:lnSpc>
+              <a:spcBef>
+                <a:spcPts val="0"/>
+              </a:spcBef>
+              <a:spcAft>
+                <a:spcPts val="0"/>
+              </a:spcAft>
+              <a:buClrTx/>
+              <a:buSzTx/>
+              <a:buFontTx/>
+              <a:buNone/>
+              <a:tabLst/>
+              <a:defRPr/>
+            </a:pPr>
+            <a:endParaRPr lang="en-US" altLang="zh-CN" dirty="0"/>
+          </a:p>
+          <a:p>
+            <a:pPr marL="0" marR="0" lvl="0" indent="0" defTabSz="914400" eaLnBrk="1" fontAlgn="auto" latinLnBrk="0" hangingPunct="1">
+              <a:lnSpc>
+                <a:spcPct val="100000"/>
+              </a:lnSpc>
+              <a:spcBef>
+                <a:spcPts val="0"/>
+              </a:spcBef>
+              <a:spcAft>
+                <a:spcPts val="0"/>
+              </a:spcAft>
+              <a:buClrTx/>
+              <a:buSzTx/>
+              <a:buFontTx/>
+              <a:buNone/>
+              <a:tabLst/>
+              <a:defRPr/>
+            </a:pPr>
+            <a:r>
+              <a:rPr lang="zh-CN" altLang="en-US" dirty="0"/>
+              <a:t>返回与</a:t>
+            </a:r>
+            <a:r>
+              <a:rPr lang="en-US" altLang="zh-CN" dirty="0"/>
+              <a:t>target</a:t>
+            </a:r>
+            <a:r>
+              <a:rPr lang="zh-CN" altLang="en-US" dirty="0"/>
+              <a:t>的距离是</a:t>
+            </a:r>
+            <a:r>
+              <a:rPr lang="en-US" altLang="zh-CN" dirty="0"/>
+              <a:t>K</a:t>
+            </a:r>
+            <a:r>
+              <a:rPr lang="zh-CN" altLang="en-US" dirty="0"/>
+              <a:t>的所有节点</a:t>
+            </a:r>
+            <a:endParaRPr lang="en-US" altLang="zh-CN" dirty="0"/>
+          </a:p>
+        </p:txBody>
+      </p:sp>
+      <p:sp>
+        <p:nvSpPr>
+          <p:cNvPr id="4" name="页脚占位符 3">
+            <a:extLst>
+              <a:ext uri="{FF2B5EF4-FFF2-40B4-BE49-F238E27FC236}">
+                <a16:creationId xmlns:a16="http://schemas.microsoft.com/office/drawing/2014/main" id="{E5784C5B-E926-4C19-849B-C2507EB97652}"/>
+              </a:ext>
+            </a:extLst>
+          </p:cNvPr>
+          <p:cNvSpPr>
+            <a:spLocks noGrp="1"/>
+          </p:cNvSpPr>
+          <p:nvPr>
+            <p:ph type="ftr" sz="quarter" idx="11"/>
+          </p:nvPr>
+        </p:nvSpPr>
+        <p:spPr/>
+        <p:txBody>
+          <a:bodyPr/>
+          <a:lstStyle/>
+          <a:p>
+            <a:r>
+              <a:rPr lang="zh-CN" altLang="en-US"/>
+              <a:t>马士兵教育 </a:t>
+            </a:r>
+            <a:r>
+              <a:rPr lang="en-US" altLang="zh-CN"/>
+              <a:t>http://mashibing.com</a:t>
+            </a:r>
+            <a:endParaRPr lang="zh-CN" altLang="en-US"/>
+          </a:p>
+        </p:txBody>
+      </p:sp>
+      <p:pic>
+        <p:nvPicPr>
+          <p:cNvPr id="5" name="图片 4">
+            <a:extLst>
+              <a:ext uri="{FF2B5EF4-FFF2-40B4-BE49-F238E27FC236}">
+                <a16:creationId xmlns:a16="http://schemas.microsoft.com/office/drawing/2014/main" id="{DD3CE3FF-C8EB-4708-915E-B1FE5FA36590}"/>
+              </a:ext>
+            </a:extLst>
+          </p:cNvPr>
+          <p:cNvPicPr>
+            <a:picLocks noChangeAspect="1"/>
+          </p:cNvPicPr>
+          <p:nvPr/>
+        </p:nvPicPr>
+        <p:blipFill>
+          <a:blip r:embed="rId2" cstate="print">
+            <a:duotone>
+              <a:schemeClr val="accent5">
+                <a:shade val="45000"/>
+                <a:satMod val="135000"/>
+              </a:schemeClr>
+              <a:prstClr val="white"/>
+            </a:duotone>
+            <a:extLst>
+              <a:ext uri="{28A0092B-C50C-407E-A947-70E740481C1C}">
+                <a14:useLocalDpi xmlns:a14="http://schemas.microsoft.com/office/drawing/2010/main" val="0"/>
+              </a:ext>
+            </a:extLst>
+          </a:blip>
+          <a:stretch>
+            <a:fillRect/>
+          </a:stretch>
+        </p:blipFill>
+        <p:spPr>
+          <a:xfrm>
+            <a:off x="43940" y="32544"/>
+            <a:ext cx="1635138" cy="1043782"/>
+          </a:xfrm>
+          <a:prstGeom prst="rect">
+            <a:avLst/>
+          </a:prstGeom>
+        </p:spPr>
+      </p:pic>
+    </p:spTree>
+    <p:extLst>
+      <p:ext uri="{BB962C8B-B14F-4D97-AF65-F5344CB8AC3E}">
+        <p14:creationId xmlns:p14="http://schemas.microsoft.com/office/powerpoint/2010/main" val="3860368039"/>
+      </p:ext>
+    </p:extLst>
+  </p:cSld>
+  <p:clrMapOvr>
+    <a:masterClrMapping/>
+  </p:clrMapOvr>
+</p:sld>
+</file>
+
+<file path=ppt/slides/slide3.xml><?xml version="1.0" encoding="utf-8"?>
+<p:sld xmlns:a="http://schemas.openxmlformats.org/drawingml/2006/main" xmlns:r="http://schemas.openxmlformats.org/officeDocument/2006/relationships" xmlns:p="http://schemas.openxmlformats.org/presentationml/2006/main">
+  <p:cSld>
+    <p:spTree>
+      <p:nvGrpSpPr>
+        <p:cNvPr id="1" name=""/>
+        <p:cNvGrpSpPr/>
+        <p:nvPr/>
+      </p:nvGrpSpPr>
+      <p:grpSpPr>
+        <a:xfrm>
+          <a:off x="0" y="0"/>
+          <a:ext cx="0" cy="0"/>
+          <a:chOff x="0" y="0"/>
+          <a:chExt cx="0" cy="0"/>
+        </a:xfrm>
+      </p:grpSpPr>
+      <p:sp>
+        <p:nvSpPr>
+          <p:cNvPr id="2" name="标题 1">
+            <a:extLst>
+              <a:ext uri="{FF2B5EF4-FFF2-40B4-BE49-F238E27FC236}">
+                <a16:creationId xmlns:a16="http://schemas.microsoft.com/office/drawing/2014/main" id="{403A4842-C8D9-4956-A38B-831250316ED2}"/>
+              </a:ext>
+            </a:extLst>
+          </p:cNvPr>
+          <p:cNvSpPr>
+            <a:spLocks noGrp="1"/>
+          </p:cNvSpPr>
+          <p:nvPr>
+            <p:ph type="title"/>
+          </p:nvPr>
+        </p:nvSpPr>
+        <p:spPr>
+          <a:xfrm>
+            <a:off x="838200" y="1255714"/>
+            <a:ext cx="10515600" cy="1657013"/>
+          </a:xfrm>
+        </p:spPr>
+        <p:txBody>
+          <a:bodyPr>
+            <a:normAutofit/>
+          </a:bodyPr>
+          <a:lstStyle/>
+          <a:p>
+            <a:r>
+              <a:rPr lang="zh-CN" altLang="en-US" sz="3200" dirty="0"/>
+              <a:t>题目</a:t>
+            </a:r>
+            <a:r>
+              <a:rPr lang="en-US" altLang="zh-CN" sz="3200" dirty="0"/>
+              <a:t>4</a:t>
+            </a:r>
+            <a:endParaRPr lang="zh-CN" altLang="en-US" sz="3200" dirty="0"/>
+          </a:p>
+        </p:txBody>
+      </p:sp>
+      <p:sp>
+        <p:nvSpPr>
+          <p:cNvPr id="3" name="内容占位符 2">
+            <a:extLst>
+              <a:ext uri="{FF2B5EF4-FFF2-40B4-BE49-F238E27FC236}">
+                <a16:creationId xmlns:a16="http://schemas.microsoft.com/office/drawing/2014/main" id="{FCF28F77-6743-40F7-B661-7DE6BEDC6A0B}"/>
+              </a:ext>
+            </a:extLst>
+          </p:cNvPr>
+          <p:cNvSpPr>
+            <a:spLocks noGrp="1"/>
+          </p:cNvSpPr>
+          <p:nvPr>
+            <p:ph idx="1"/>
+          </p:nvPr>
+        </p:nvSpPr>
+        <p:spPr>
+          <a:xfrm>
+            <a:off x="838200" y="2912727"/>
+            <a:ext cx="10515600" cy="2934620"/>
+          </a:xfrm>
+        </p:spPr>
+        <p:txBody>
+          <a:bodyPr>
+            <a:normAutofit/>
+          </a:bodyPr>
+          <a:lstStyle/>
+          <a:p>
+            <a:pPr marL="0" indent="0">
+              <a:buNone/>
+            </a:pPr>
+            <a:r>
+              <a:rPr lang="zh-CN" altLang="en-US" dirty="0"/>
+              <a:t>给定一个数组</a:t>
+            </a:r>
+            <a:r>
+              <a:rPr lang="en-US" altLang="zh-CN" dirty="0" err="1"/>
+              <a:t>arr</a:t>
+            </a:r>
+            <a:r>
+              <a:rPr lang="zh-CN" altLang="en" dirty="0"/>
+              <a:t>，</a:t>
+            </a:r>
+            <a:r>
+              <a:rPr lang="zh-CN" altLang="en-US" dirty="0"/>
+              <a:t>代表每个人的能力值。再给定一个非负数</a:t>
+            </a:r>
+            <a:r>
+              <a:rPr lang="en" altLang="zh-CN" dirty="0"/>
+              <a:t>k</a:t>
+            </a:r>
+            <a:endParaRPr lang="zh-CN" altLang="en" dirty="0"/>
+          </a:p>
+          <a:p>
+            <a:pPr marL="0" indent="0">
+              <a:buNone/>
+            </a:pPr>
+            <a:r>
+              <a:rPr lang="zh-CN" altLang="en-US" dirty="0"/>
+              <a:t>如果两个人能力差值正好为</a:t>
+            </a:r>
+            <a:r>
+              <a:rPr lang="en" altLang="zh-CN" dirty="0"/>
+              <a:t>k</a:t>
+            </a:r>
+            <a:r>
+              <a:rPr lang="zh-CN" altLang="en" dirty="0"/>
+              <a:t>，</a:t>
+            </a:r>
+            <a:r>
+              <a:rPr lang="zh-CN" altLang="en-US" dirty="0"/>
+              <a:t>那么可以凑在一起比赛</a:t>
+            </a:r>
+            <a:endParaRPr lang="en-US" altLang="zh-CN" dirty="0"/>
+          </a:p>
+          <a:p>
+            <a:pPr marL="0" indent="0">
+              <a:buNone/>
+            </a:pPr>
+            <a:r>
+              <a:rPr lang="zh-CN" altLang="en-US" dirty="0"/>
+              <a:t>一局比赛只有两个人</a:t>
+            </a:r>
+          </a:p>
+          <a:p>
+            <a:pPr marL="0" indent="0">
+              <a:buNone/>
+            </a:pPr>
+            <a:r>
+              <a:rPr lang="zh-CN" altLang="en-US" dirty="0"/>
+              <a:t>返回最多可以同时有多少场比赛</a:t>
+            </a:r>
+          </a:p>
+          <a:p>
+            <a:pPr marL="0" indent="0">
+              <a:buNone/>
+            </a:pPr>
+            <a:endParaRPr lang="en-US" altLang="zh-CN" dirty="0"/>
+          </a:p>
+        </p:txBody>
+      </p:sp>
+      <p:sp>
+        <p:nvSpPr>
+          <p:cNvPr id="4" name="页脚占位符 3">
+            <a:extLst>
+              <a:ext uri="{FF2B5EF4-FFF2-40B4-BE49-F238E27FC236}">
+                <a16:creationId xmlns:a16="http://schemas.microsoft.com/office/drawing/2014/main" id="{E5784C5B-E926-4C19-849B-C2507EB97652}"/>
+              </a:ext>
+            </a:extLst>
+          </p:cNvPr>
+          <p:cNvSpPr>
+            <a:spLocks noGrp="1"/>
+          </p:cNvSpPr>
+          <p:nvPr>
+            <p:ph type="ftr" sz="quarter" idx="11"/>
+          </p:nvPr>
+        </p:nvSpPr>
+        <p:spPr/>
+        <p:txBody>
+          <a:bodyPr/>
+          <a:lstStyle/>
+          <a:p>
+            <a:r>
+              <a:rPr lang="zh-CN" altLang="en-US"/>
+              <a:t>马士兵教育 </a:t>
+            </a:r>
+            <a:r>
+              <a:rPr lang="en-US" altLang="zh-CN"/>
+              <a:t>http://mashibing.com</a:t>
+            </a:r>
+            <a:endParaRPr lang="zh-CN" altLang="en-US"/>
+          </a:p>
+        </p:txBody>
+      </p:sp>
+      <p:pic>
+        <p:nvPicPr>
+          <p:cNvPr id="5" name="图片 4">
+            <a:extLst>
+              <a:ext uri="{FF2B5EF4-FFF2-40B4-BE49-F238E27FC236}">
+                <a16:creationId xmlns:a16="http://schemas.microsoft.com/office/drawing/2014/main" id="{DD3CE3FF-C8EB-4708-915E-B1FE5FA36590}"/>
+              </a:ext>
+            </a:extLst>
+          </p:cNvPr>
+          <p:cNvPicPr>
+            <a:picLocks noChangeAspect="1"/>
+          </p:cNvPicPr>
+          <p:nvPr/>
+        </p:nvPicPr>
+        <p:blipFill>
+          <a:blip r:embed="rId2" cstate="print">
+            <a:duotone>
+              <a:schemeClr val="accent5">
+                <a:shade val="45000"/>
+                <a:satMod val="135000"/>
+              </a:schemeClr>
+              <a:prstClr val="white"/>
+            </a:duotone>
+            <a:extLst>
+              <a:ext uri="{28A0092B-C50C-407E-A947-70E740481C1C}">
+                <a14:useLocalDpi xmlns:a14="http://schemas.microsoft.com/office/drawing/2010/main" val="0"/>
+              </a:ext>
+            </a:extLst>
+          </a:blip>
+          <a:stretch>
+            <a:fillRect/>
+          </a:stretch>
+        </p:blipFill>
+        <p:spPr>
+          <a:xfrm>
+            <a:off x="43940" y="32544"/>
+            <a:ext cx="1635138" cy="1043782"/>
+          </a:xfrm>
+          <a:prstGeom prst="rect">
+            <a:avLst/>
+          </a:prstGeom>
+        </p:spPr>
+      </p:pic>
+    </p:spTree>
+    <p:extLst>
+      <p:ext uri="{BB962C8B-B14F-4D97-AF65-F5344CB8AC3E}">
+        <p14:creationId xmlns:p14="http://schemas.microsoft.com/office/powerpoint/2010/main" val="3437245743"/>
+      </p:ext>
+    </p:extLst>
+  </p:cSld>
+  <p:clrMapOvr>
+    <a:masterClrMapping/>
+  </p:clrMapOvr>
+</p:sld>
+</file>
+
+<file path=ppt/slides/slide4.xml><?xml version="1.0" encoding="utf-8"?>
+<p:sld xmlns:a="http://schemas.openxmlformats.org/drawingml/2006/main" xmlns:r="http://schemas.openxmlformats.org/officeDocument/2006/relationships" xmlns:p="http://schemas.openxmlformats.org/presentationml/2006/main">
+  <p:cSld>
+    <p:spTree>
+      <p:nvGrpSpPr>
+        <p:cNvPr id="1" name=""/>
+        <p:cNvGrpSpPr/>
+        <p:nvPr/>
+      </p:nvGrpSpPr>
+      <p:grpSpPr>
+        <a:xfrm>
+          <a:off x="0" y="0"/>
+          <a:ext cx="0" cy="0"/>
+          <a:chOff x="0" y="0"/>
+          <a:chExt cx="0" cy="0"/>
+        </a:xfrm>
+      </p:grpSpPr>
+      <p:sp>
+        <p:nvSpPr>
+          <p:cNvPr id="2" name="标题 1">
+            <a:extLst>
+              <a:ext uri="{FF2B5EF4-FFF2-40B4-BE49-F238E27FC236}">
+                <a16:creationId xmlns:a16="http://schemas.microsoft.com/office/drawing/2014/main" id="{403A4842-C8D9-4956-A38B-831250316ED2}"/>
+              </a:ext>
+            </a:extLst>
+          </p:cNvPr>
+          <p:cNvSpPr>
+            <a:spLocks noGrp="1"/>
+          </p:cNvSpPr>
+          <p:nvPr>
+            <p:ph type="title"/>
+          </p:nvPr>
+        </p:nvSpPr>
+        <p:spPr>
+          <a:xfrm>
+            <a:off x="838200" y="1255714"/>
+            <a:ext cx="10515600" cy="1657013"/>
+          </a:xfrm>
+        </p:spPr>
+        <p:txBody>
+          <a:bodyPr>
+            <a:normAutofit/>
+          </a:bodyPr>
+          <a:lstStyle/>
+          <a:p>
+            <a:r>
+              <a:rPr lang="zh-CN" altLang="en-US" sz="3200" dirty="0"/>
+              <a:t>题目</a:t>
+            </a:r>
+            <a:r>
+              <a:rPr lang="en-US" altLang="zh-CN" sz="3200" dirty="0"/>
               <a:t>1</a:t>
             </a:r>
             <a:endParaRPr lang="zh-CN" altLang="en-US" sz="3200" dirty="0"/>
@@ -4166,7 +4787,7 @@
 </p:sld>
 </file>
 
-<file path=ppt/slides/slide3.xml><?xml version="1.0" encoding="utf-8"?>
+<file path=ppt/slides/slide5.xml><?xml version="1.0" encoding="utf-8"?>
 <p:sld xmlns:a="http://schemas.openxmlformats.org/drawingml/2006/main" xmlns:r="http://schemas.openxmlformats.org/officeDocument/2006/relationships" xmlns:p="http://schemas.openxmlformats.org/presentationml/2006/main">
   <p:cSld>
     <p:spTree>
@@ -4450,7 +5071,7 @@
 </p:sld>
 </file>
 
-<file path=ppt/slides/slide4.xml><?xml version="1.0" encoding="utf-8"?>
+<file path=ppt/slides/slide6.xml><?xml version="1.0" encoding="utf-8"?>
 <p:sld xmlns:a="http://schemas.openxmlformats.org/drawingml/2006/main" xmlns:r="http://schemas.openxmlformats.org/officeDocument/2006/relationships" xmlns:p="http://schemas.openxmlformats.org/presentationml/2006/main">
   <p:cSld>
     <p:spTree>
@@ -4733,254 +5354,7 @@
 </p:sld>
 </file>
 
-<file path=ppt/slides/slide5.xml><?xml version="1.0" encoding="utf-8"?>
-<p:sld xmlns:a="http://schemas.openxmlformats.org/drawingml/2006/main" xmlns:r="http://schemas.openxmlformats.org/officeDocument/2006/relationships" xmlns:p="http://schemas.openxmlformats.org/presentationml/2006/main">
-  <p:cSld>
-    <p:spTree>
-      <p:nvGrpSpPr>
-        <p:cNvPr id="1" name=""/>
-        <p:cNvGrpSpPr/>
-        <p:nvPr/>
-      </p:nvGrpSpPr>
-      <p:grpSpPr>
-        <a:xfrm>
-          <a:off x="0" y="0"/>
-          <a:ext cx="0" cy="0"/>
-          <a:chOff x="0" y="0"/>
-          <a:chExt cx="0" cy="0"/>
-        </a:xfrm>
-      </p:grpSpPr>
-      <p:sp>
-        <p:nvSpPr>
-          <p:cNvPr id="2" name="标题 1">
-            <a:extLst>
-              <a:ext uri="{FF2B5EF4-FFF2-40B4-BE49-F238E27FC236}">
-                <a16:creationId xmlns:a16="http://schemas.microsoft.com/office/drawing/2014/main" id="{403A4842-C8D9-4956-A38B-831250316ED2}"/>
-              </a:ext>
-            </a:extLst>
-          </p:cNvPr>
-          <p:cNvSpPr>
-            <a:spLocks noGrp="1"/>
-          </p:cNvSpPr>
-          <p:nvPr>
-            <p:ph type="title"/>
-          </p:nvPr>
-        </p:nvSpPr>
-        <p:spPr>
-          <a:xfrm>
-            <a:off x="838200" y="1255714"/>
-            <a:ext cx="10515600" cy="1657013"/>
-          </a:xfrm>
-        </p:spPr>
-        <p:txBody>
-          <a:bodyPr>
-            <a:normAutofit/>
-          </a:bodyPr>
-          <a:lstStyle/>
-          <a:p>
-            <a:r>
-              <a:rPr lang="zh-CN" altLang="en-US" sz="3200" dirty="0"/>
-              <a:t>题目</a:t>
-            </a:r>
-            <a:r>
-              <a:rPr lang="en-US" altLang="zh-CN" sz="3200" dirty="0"/>
-              <a:t>4</a:t>
-            </a:r>
-            <a:endParaRPr lang="zh-CN" altLang="en-US" sz="3200" dirty="0"/>
-          </a:p>
-        </p:txBody>
-      </p:sp>
-      <p:sp>
-        <p:nvSpPr>
-          <p:cNvPr id="3" name="内容占位符 2">
-            <a:extLst>
-              <a:ext uri="{FF2B5EF4-FFF2-40B4-BE49-F238E27FC236}">
-                <a16:creationId xmlns:a16="http://schemas.microsoft.com/office/drawing/2014/main" id="{FCF28F77-6743-40F7-B661-7DE6BEDC6A0B}"/>
-              </a:ext>
-            </a:extLst>
-          </p:cNvPr>
-          <p:cNvSpPr>
-            <a:spLocks noGrp="1"/>
-          </p:cNvSpPr>
-          <p:nvPr>
-            <p:ph idx="1"/>
-          </p:nvPr>
-        </p:nvSpPr>
-        <p:spPr>
-          <a:xfrm>
-            <a:off x="838200" y="2912727"/>
-            <a:ext cx="10515600" cy="2934620"/>
-          </a:xfrm>
-        </p:spPr>
-        <p:txBody>
-          <a:bodyPr>
-            <a:normAutofit/>
-          </a:bodyPr>
-          <a:lstStyle/>
-          <a:p>
-            <a:pPr marL="0" indent="0">
-              <a:buNone/>
-            </a:pPr>
-            <a:r>
-              <a:rPr lang="zh-CN" altLang="en-US" dirty="0"/>
-              <a:t>给定一个数组</a:t>
-            </a:r>
-            <a:r>
-              <a:rPr lang="en-US" altLang="zh-CN" dirty="0" err="1"/>
-              <a:t>arr</a:t>
-            </a:r>
-            <a:r>
-              <a:rPr lang="zh-CN" altLang="en" dirty="0"/>
-              <a:t>，</a:t>
-            </a:r>
-            <a:r>
-              <a:rPr lang="zh-CN" altLang="en-US" dirty="0"/>
-              <a:t>代表每个人的能力值。再给定一个非负数</a:t>
-            </a:r>
-            <a:r>
-              <a:rPr lang="en" altLang="zh-CN" dirty="0"/>
-              <a:t>k</a:t>
-            </a:r>
-            <a:endParaRPr lang="zh-CN" altLang="en" dirty="0"/>
-          </a:p>
-          <a:p>
-            <a:pPr marL="0" indent="0">
-              <a:buNone/>
-            </a:pPr>
-            <a:r>
-              <a:rPr lang="zh-CN" altLang="en-US" dirty="0"/>
-              <a:t>如果两个人能力差值正好为</a:t>
-            </a:r>
-            <a:r>
-              <a:rPr lang="en" altLang="zh-CN" dirty="0"/>
-              <a:t>k</a:t>
-            </a:r>
-            <a:r>
-              <a:rPr lang="zh-CN" altLang="en" dirty="0"/>
-              <a:t>，</a:t>
-            </a:r>
-            <a:r>
-              <a:rPr lang="zh-CN" altLang="en-US" dirty="0"/>
-              <a:t>那么可以凑在一起比赛</a:t>
-            </a:r>
-            <a:endParaRPr lang="en-US" altLang="zh-CN" dirty="0"/>
-          </a:p>
-          <a:p>
-            <a:pPr marL="0" indent="0">
-              <a:buNone/>
-            </a:pPr>
-            <a:r>
-              <a:rPr lang="zh-CN" altLang="en-US" dirty="0"/>
-              <a:t>一局比赛只有两个人</a:t>
-            </a:r>
-          </a:p>
-          <a:p>
-            <a:pPr marL="0" indent="0">
-              <a:buNone/>
-            </a:pPr>
-            <a:r>
-              <a:rPr lang="zh-CN" altLang="en-US" dirty="0"/>
-              <a:t>返回最多可以同时有多少场比赛</a:t>
-            </a:r>
-          </a:p>
-          <a:p>
-            <a:pPr marL="0" indent="0">
-              <a:buNone/>
-            </a:pPr>
-            <a:endParaRPr lang="en-US" altLang="zh-CN" dirty="0"/>
-          </a:p>
-        </p:txBody>
-      </p:sp>
-      <p:sp>
-        <p:nvSpPr>
-          <p:cNvPr id="4" name="页脚占位符 3">
-            <a:extLst>
-              <a:ext uri="{FF2B5EF4-FFF2-40B4-BE49-F238E27FC236}">
-                <a16:creationId xmlns:a16="http://schemas.microsoft.com/office/drawing/2014/main" id="{E5784C5B-E926-4C19-849B-C2507EB97652}"/>
-              </a:ext>
-            </a:extLst>
-          </p:cNvPr>
-          <p:cNvSpPr>
-            <a:spLocks noGrp="1"/>
-          </p:cNvSpPr>
-          <p:nvPr>
-            <p:ph type="ftr" sz="quarter" idx="11"/>
-          </p:nvPr>
-        </p:nvSpPr>
-        <p:spPr/>
-        <p:txBody>
-          <a:bodyPr/>
-          <a:lstStyle/>
-          <a:p>
-            <a:r>
-              <a:rPr lang="zh-CN" altLang="en-US"/>
-              <a:t>马士兵教育 </a:t>
-            </a:r>
-            <a:r>
-              <a:rPr lang="en-US" altLang="zh-CN"/>
-              <a:t>http://mashibing.com</a:t>
-            </a:r>
-            <a:endParaRPr lang="zh-CN" altLang="en-US"/>
-          </a:p>
-        </p:txBody>
-      </p:sp>
-      <p:pic>
-        <p:nvPicPr>
-          <p:cNvPr id="5" name="图片 4">
-            <a:extLst>
-              <a:ext uri="{FF2B5EF4-FFF2-40B4-BE49-F238E27FC236}">
-                <a16:creationId xmlns:a16="http://schemas.microsoft.com/office/drawing/2014/main" id="{DD3CE3FF-C8EB-4708-915E-B1FE5FA36590}"/>
-              </a:ext>
-            </a:extLst>
-          </p:cNvPr>
-          <p:cNvPicPr>
-            <a:picLocks noChangeAspect="1"/>
-          </p:cNvPicPr>
-          <p:nvPr/>
-        </p:nvPicPr>
-        <p:blipFill>
-          <a:blip r:embed="rId2" cstate="print">
-            <a:duotone>
-              <a:schemeClr val="accent5">
-                <a:shade val="45000"/>
-                <a:satMod val="135000"/>
-              </a:schemeClr>
-              <a:prstClr val="white"/>
-            </a:duotone>
-            <a:extLst>
-              <a:ext uri="{28A0092B-C50C-407E-A947-70E740481C1C}">
-                <a14:useLocalDpi xmlns:a14="http://schemas.microsoft.com/office/drawing/2010/main" val="0"/>
-              </a:ext>
-            </a:extLst>
-          </a:blip>
-          <a:stretch>
-            <a:fillRect/>
-          </a:stretch>
-        </p:blipFill>
-        <p:spPr>
-          <a:xfrm>
-            <a:off x="43940" y="32544"/>
-            <a:ext cx="1635138" cy="1043782"/>
-          </a:xfrm>
-          <a:prstGeom prst="rect">
-            <a:avLst/>
-          </a:prstGeom>
-        </p:spPr>
-      </p:pic>
-    </p:spTree>
-    <p:extLst>
-      <p:ext uri="{BB962C8B-B14F-4D97-AF65-F5344CB8AC3E}">
-        <p14:creationId xmlns:p14="http://schemas.microsoft.com/office/powerpoint/2010/main" val="3437245743"/>
-      </p:ext>
-    </p:extLst>
-  </p:cSld>
-  <p:clrMapOvr>
-    <a:masterClrMapping/>
-  </p:clrMapOvr>
-</p:sld>
-</file>
-
-<file path=ppt/slides/slide6.xml><?xml version="1.0" encoding="utf-8"?>
+<file path=ppt/slides/slide7.xml><?xml version="1.0" encoding="utf-8"?>
 <p:sld xmlns:a="http://schemas.openxmlformats.org/drawingml/2006/main" xmlns:r="http://schemas.openxmlformats.org/officeDocument/2006/relationships" xmlns:p="http://schemas.openxmlformats.org/presentationml/2006/main">
   <p:cSld>
     <p:spTree>
@@ -5291,7 +5665,7 @@
 </p:sld>
 </file>
 
-<file path=ppt/slides/slide7.xml><?xml version="1.0" encoding="utf-8"?>
+<file path=ppt/slides/slide8.xml><?xml version="1.0" encoding="utf-8"?>
 <p:sld xmlns:a="http://schemas.openxmlformats.org/drawingml/2006/main" xmlns:r="http://schemas.openxmlformats.org/officeDocument/2006/relationships" xmlns:p="http://schemas.openxmlformats.org/presentationml/2006/main">
   <p:cSld>
     <p:spTree>
@@ -5516,7 +5890,7 @@
 </p:sld>
 </file>
 
-<file path=ppt/slides/slide8.xml><?xml version="1.0" encoding="utf-8"?>
+<file path=ppt/slides/slide9.xml><?xml version="1.0" encoding="utf-8"?>
 <p:sld xmlns:a="http://schemas.openxmlformats.org/drawingml/2006/main" xmlns:r="http://schemas.openxmlformats.org/officeDocument/2006/relationships" xmlns:p="http://schemas.openxmlformats.org/presentationml/2006/main">
   <p:cSld>
     <p:spTree>
@@ -5754,380 +6128,6 @@
     <p:extLst>
       <p:ext uri="{BB962C8B-B14F-4D97-AF65-F5344CB8AC3E}">
         <p14:creationId xmlns:p14="http://schemas.microsoft.com/office/powerpoint/2010/main" val="3758006512"/>
-      </p:ext>
-    </p:extLst>
-  </p:cSld>
-  <p:clrMapOvr>
-    <a:masterClrMapping/>
-  </p:clrMapOvr>
-</p:sld>
-</file>
-
-<file path=ppt/slides/slide9.xml><?xml version="1.0" encoding="utf-8"?>
-<p:sld xmlns:a="http://schemas.openxmlformats.org/drawingml/2006/main" xmlns:r="http://schemas.openxmlformats.org/officeDocument/2006/relationships" xmlns:p="http://schemas.openxmlformats.org/presentationml/2006/main">
-  <p:cSld>
-    <p:spTree>
-      <p:nvGrpSpPr>
-        <p:cNvPr id="1" name=""/>
-        <p:cNvGrpSpPr/>
-        <p:nvPr/>
-      </p:nvGrpSpPr>
-      <p:grpSpPr>
-        <a:xfrm>
-          <a:off x="0" y="0"/>
-          <a:ext cx="0" cy="0"/>
-          <a:chOff x="0" y="0"/>
-          <a:chExt cx="0" cy="0"/>
-        </a:xfrm>
-      </p:grpSpPr>
-      <p:sp>
-        <p:nvSpPr>
-          <p:cNvPr id="2" name="标题 1">
-            <a:extLst>
-              <a:ext uri="{FF2B5EF4-FFF2-40B4-BE49-F238E27FC236}">
-                <a16:creationId xmlns:a16="http://schemas.microsoft.com/office/drawing/2014/main" id="{403A4842-C8D9-4956-A38B-831250316ED2}"/>
-              </a:ext>
-            </a:extLst>
-          </p:cNvPr>
-          <p:cNvSpPr>
-            <a:spLocks noGrp="1"/>
-          </p:cNvSpPr>
-          <p:nvPr>
-            <p:ph type="title"/>
-          </p:nvPr>
-        </p:nvSpPr>
-        <p:spPr>
-          <a:xfrm>
-            <a:off x="838200" y="1255714"/>
-            <a:ext cx="10515600" cy="1657013"/>
-          </a:xfrm>
-        </p:spPr>
-        <p:txBody>
-          <a:bodyPr>
-            <a:normAutofit/>
-          </a:bodyPr>
-          <a:lstStyle/>
-          <a:p>
-            <a:r>
-              <a:rPr lang="zh-CN" altLang="en-US" sz="3200" dirty="0"/>
-              <a:t>题目</a:t>
-            </a:r>
-            <a:r>
-              <a:rPr lang="en-US" altLang="zh-CN" sz="3200" dirty="0"/>
-              <a:t>8</a:t>
-            </a:r>
-            <a:endParaRPr lang="zh-CN" altLang="en-US" sz="3200" dirty="0"/>
-          </a:p>
-        </p:txBody>
-      </p:sp>
-      <p:sp>
-        <p:nvSpPr>
-          <p:cNvPr id="3" name="内容占位符 2">
-            <a:extLst>
-              <a:ext uri="{FF2B5EF4-FFF2-40B4-BE49-F238E27FC236}">
-                <a16:creationId xmlns:a16="http://schemas.microsoft.com/office/drawing/2014/main" id="{FCF28F77-6743-40F7-B661-7DE6BEDC6A0B}"/>
-              </a:ext>
-            </a:extLst>
-          </p:cNvPr>
-          <p:cNvSpPr>
-            <a:spLocks noGrp="1"/>
-          </p:cNvSpPr>
-          <p:nvPr>
-            <p:ph idx="1"/>
-          </p:nvPr>
-        </p:nvSpPr>
-        <p:spPr>
-          <a:xfrm>
-            <a:off x="838200" y="2912727"/>
-            <a:ext cx="10515600" cy="2934620"/>
-          </a:xfrm>
-        </p:spPr>
-        <p:txBody>
-          <a:bodyPr>
-            <a:normAutofit lnSpcReduction="10000"/>
-          </a:bodyPr>
-          <a:lstStyle/>
-          <a:p>
-            <a:pPr marL="0" marR="0" lvl="0" indent="0" defTabSz="914400" eaLnBrk="1" fontAlgn="auto" latinLnBrk="0" hangingPunct="1">
-              <a:lnSpc>
-                <a:spcPct val="100000"/>
-              </a:lnSpc>
-              <a:spcBef>
-                <a:spcPts val="0"/>
-              </a:spcBef>
-              <a:spcAft>
-                <a:spcPts val="0"/>
-              </a:spcAft>
-              <a:buClrTx/>
-              <a:buSzTx/>
-              <a:buFontTx/>
-              <a:buNone/>
-              <a:tabLst/>
-              <a:defRPr/>
-            </a:pPr>
-            <a:r>
-              <a:rPr lang="zh-CN" altLang="en-US" dirty="0"/>
-              <a:t>给定三个参数：</a:t>
-            </a:r>
-            <a:endParaRPr lang="en-US" altLang="zh-CN" dirty="0"/>
-          </a:p>
-          <a:p>
-            <a:pPr marL="0" marR="0" lvl="0" indent="0" defTabSz="914400" eaLnBrk="1" fontAlgn="auto" latinLnBrk="0" hangingPunct="1">
-              <a:lnSpc>
-                <a:spcPct val="100000"/>
-              </a:lnSpc>
-              <a:spcBef>
-                <a:spcPts val="0"/>
-              </a:spcBef>
-              <a:spcAft>
-                <a:spcPts val="0"/>
-              </a:spcAft>
-              <a:buClrTx/>
-              <a:buSzTx/>
-              <a:buFontTx/>
-              <a:buNone/>
-              <a:tabLst/>
-              <a:defRPr/>
-            </a:pPr>
-            <a:endParaRPr lang="en-US" altLang="zh-CN" dirty="0"/>
-          </a:p>
-          <a:p>
-            <a:pPr marL="0" marR="0" lvl="0" indent="0" defTabSz="914400" eaLnBrk="1" fontAlgn="auto" latinLnBrk="0" hangingPunct="1">
-              <a:lnSpc>
-                <a:spcPct val="100000"/>
-              </a:lnSpc>
-              <a:spcBef>
-                <a:spcPts val="0"/>
-              </a:spcBef>
-              <a:spcAft>
-                <a:spcPts val="0"/>
-              </a:spcAft>
-              <a:buClrTx/>
-              <a:buSzTx/>
-              <a:buFontTx/>
-              <a:buNone/>
-              <a:tabLst/>
-              <a:defRPr/>
-            </a:pPr>
-            <a:r>
-              <a:rPr lang="zh-CN" altLang="en-US" dirty="0"/>
-              <a:t>二叉树的头节点</a:t>
-            </a:r>
-            <a:r>
-              <a:rPr lang="en-US" altLang="zh-CN" dirty="0"/>
-              <a:t>head</a:t>
-            </a:r>
-            <a:r>
-              <a:rPr lang="zh-CN" altLang="en-US" dirty="0"/>
-              <a:t>，树上某个节点</a:t>
-            </a:r>
-            <a:r>
-              <a:rPr lang="en-US" altLang="zh-CN" dirty="0"/>
-              <a:t>target</a:t>
-            </a:r>
-            <a:r>
-              <a:rPr lang="zh-CN" altLang="en-US" dirty="0"/>
-              <a:t>，正数</a:t>
-            </a:r>
-            <a:r>
-              <a:rPr lang="en-US" altLang="zh-CN" dirty="0"/>
-              <a:t>K</a:t>
-            </a:r>
-          </a:p>
-          <a:p>
-            <a:pPr marL="0" marR="0" lvl="0" indent="0" defTabSz="914400" eaLnBrk="1" fontAlgn="auto" latinLnBrk="0" hangingPunct="1">
-              <a:lnSpc>
-                <a:spcPct val="100000"/>
-              </a:lnSpc>
-              <a:spcBef>
-                <a:spcPts val="0"/>
-              </a:spcBef>
-              <a:spcAft>
-                <a:spcPts val="0"/>
-              </a:spcAft>
-              <a:buClrTx/>
-              <a:buSzTx/>
-              <a:buFontTx/>
-              <a:buNone/>
-              <a:tabLst/>
-              <a:defRPr/>
-            </a:pPr>
-            <a:endParaRPr lang="en-US" altLang="zh-CN" dirty="0"/>
-          </a:p>
-          <a:p>
-            <a:pPr marL="0" marR="0" lvl="0" indent="0" defTabSz="914400" eaLnBrk="1" fontAlgn="auto" latinLnBrk="0" hangingPunct="1">
-              <a:lnSpc>
-                <a:spcPct val="100000"/>
-              </a:lnSpc>
-              <a:spcBef>
-                <a:spcPts val="0"/>
-              </a:spcBef>
-              <a:spcAft>
-                <a:spcPts val="0"/>
-              </a:spcAft>
-              <a:buClrTx/>
-              <a:buSzTx/>
-              <a:buFontTx/>
-              <a:buNone/>
-              <a:tabLst/>
-              <a:defRPr/>
-            </a:pPr>
-            <a:r>
-              <a:rPr lang="zh-CN" altLang="en-US" dirty="0"/>
-              <a:t>从</a:t>
-            </a:r>
-            <a:r>
-              <a:rPr lang="en-US" altLang="zh-CN" dirty="0"/>
-              <a:t>target</a:t>
-            </a:r>
-            <a:r>
-              <a:rPr lang="zh-CN" altLang="en-US" dirty="0"/>
-              <a:t>开始，可以向上走或者向下走</a:t>
-            </a:r>
-            <a:endParaRPr lang="en-US" altLang="zh-CN" dirty="0"/>
-          </a:p>
-          <a:p>
-            <a:pPr marL="0" marR="0" lvl="0" indent="0" defTabSz="914400" eaLnBrk="1" fontAlgn="auto" latinLnBrk="0" hangingPunct="1">
-              <a:lnSpc>
-                <a:spcPct val="100000"/>
-              </a:lnSpc>
-              <a:spcBef>
-                <a:spcPts val="0"/>
-              </a:spcBef>
-              <a:spcAft>
-                <a:spcPts val="0"/>
-              </a:spcAft>
-              <a:buClrTx/>
-              <a:buSzTx/>
-              <a:buFontTx/>
-              <a:buNone/>
-              <a:tabLst/>
-              <a:defRPr/>
-            </a:pPr>
-            <a:endParaRPr lang="en-US" altLang="zh-CN" dirty="0"/>
-          </a:p>
-          <a:p>
-            <a:pPr marL="0" marR="0" lvl="0" indent="0" defTabSz="914400" eaLnBrk="1" fontAlgn="auto" latinLnBrk="0" hangingPunct="1">
-              <a:lnSpc>
-                <a:spcPct val="100000"/>
-              </a:lnSpc>
-              <a:spcBef>
-                <a:spcPts val="0"/>
-              </a:spcBef>
-              <a:spcAft>
-                <a:spcPts val="0"/>
-              </a:spcAft>
-              <a:buClrTx/>
-              <a:buSzTx/>
-              <a:buFontTx/>
-              <a:buNone/>
-              <a:tabLst/>
-              <a:defRPr/>
-            </a:pPr>
-            <a:r>
-              <a:rPr lang="zh-CN" altLang="en-US" dirty="0"/>
-              <a:t>返回与</a:t>
-            </a:r>
-            <a:r>
-              <a:rPr lang="en-US" altLang="zh-CN" dirty="0"/>
-              <a:t>target</a:t>
-            </a:r>
-            <a:r>
-              <a:rPr lang="zh-CN" altLang="en-US" dirty="0"/>
-              <a:t>的距离是</a:t>
-            </a:r>
-            <a:r>
-              <a:rPr lang="en-US" altLang="zh-CN" dirty="0"/>
-              <a:t>K</a:t>
-            </a:r>
-            <a:r>
-              <a:rPr lang="zh-CN" altLang="en-US" dirty="0"/>
-              <a:t>的所有节点</a:t>
-            </a:r>
-            <a:endParaRPr lang="en-US" altLang="zh-CN" dirty="0"/>
-          </a:p>
-        </p:txBody>
-      </p:sp>
-      <p:sp>
-        <p:nvSpPr>
-          <p:cNvPr id="4" name="页脚占位符 3">
-            <a:extLst>
-              <a:ext uri="{FF2B5EF4-FFF2-40B4-BE49-F238E27FC236}">
-                <a16:creationId xmlns:a16="http://schemas.microsoft.com/office/drawing/2014/main" id="{E5784C5B-E926-4C19-849B-C2507EB97652}"/>
-              </a:ext>
-            </a:extLst>
-          </p:cNvPr>
-          <p:cNvSpPr>
-            <a:spLocks noGrp="1"/>
-          </p:cNvSpPr>
-          <p:nvPr>
-            <p:ph type="ftr" sz="quarter" idx="11"/>
-          </p:nvPr>
-        </p:nvSpPr>
-        <p:spPr/>
-        <p:txBody>
-          <a:bodyPr/>
-          <a:lstStyle/>
-          <a:p>
-            <a:r>
-              <a:rPr lang="zh-CN" altLang="en-US"/>
-              <a:t>马士兵教育 </a:t>
-            </a:r>
-            <a:r>
-              <a:rPr lang="en-US" altLang="zh-CN"/>
-              <a:t>http://mashibing.com</a:t>
-            </a:r>
-            <a:endParaRPr lang="zh-CN" altLang="en-US"/>
-          </a:p>
-        </p:txBody>
-      </p:sp>
-      <p:pic>
-        <p:nvPicPr>
-          <p:cNvPr id="5" name="图片 4">
-            <a:extLst>
-              <a:ext uri="{FF2B5EF4-FFF2-40B4-BE49-F238E27FC236}">
-                <a16:creationId xmlns:a16="http://schemas.microsoft.com/office/drawing/2014/main" id="{DD3CE3FF-C8EB-4708-915E-B1FE5FA36590}"/>
-              </a:ext>
-            </a:extLst>
-          </p:cNvPr>
-          <p:cNvPicPr>
-            <a:picLocks noChangeAspect="1"/>
-          </p:cNvPicPr>
-          <p:nvPr/>
-        </p:nvPicPr>
-        <p:blipFill>
-          <a:blip r:embed="rId2" cstate="print">
-            <a:duotone>
-              <a:schemeClr val="accent5">
-                <a:shade val="45000"/>
-                <a:satMod val="135000"/>
-              </a:schemeClr>
-              <a:prstClr val="white"/>
-            </a:duotone>
-            <a:extLst>
-              <a:ext uri="{28A0092B-C50C-407E-A947-70E740481C1C}">
-                <a14:useLocalDpi xmlns:a14="http://schemas.microsoft.com/office/drawing/2010/main" val="0"/>
-              </a:ext>
-            </a:extLst>
-          </a:blip>
-          <a:stretch>
-            <a:fillRect/>
-          </a:stretch>
-        </p:blipFill>
-        <p:spPr>
-          <a:xfrm>
-            <a:off x="43940" y="32544"/>
-            <a:ext cx="1635138" cy="1043782"/>
-          </a:xfrm>
-          <a:prstGeom prst="rect">
-            <a:avLst/>
-          </a:prstGeom>
-        </p:spPr>
-      </p:pic>
-    </p:spTree>
-    <p:extLst>
-      <p:ext uri="{BB962C8B-B14F-4D97-AF65-F5344CB8AC3E}">
-        <p14:creationId xmlns:p14="http://schemas.microsoft.com/office/powerpoint/2010/main" val="3860368039"/>
       </p:ext>
     </p:extLst>
   </p:cSld>

--- a/notebook/LeetCode刷题/大厂刷题班PPT/第3节.pptx
+++ b/notebook/LeetCode刷题/大厂刷题班PPT/第3节.pptx
@@ -205,7 +205,7 @@
           <a:p>
             <a:fld id="{782028E9-46BA-4C86-9A29-AE961B0360E3}" type="datetimeFigureOut">
               <a:rPr lang="zh-CN" altLang="en-US" smtClean="0"/>
-              <a:t>2022/7/12</a:t>
+              <a:t>2022/7/13</a:t>
             </a:fld>
             <a:endParaRPr lang="zh-CN" altLang="en-US"/>
           </a:p>
@@ -619,7 +619,7 @@
           <a:p>
             <a:fld id="{CD197A10-BDA0-4058-9A33-0C5238F4F282}" type="datetime1">
               <a:rPr lang="zh-CN" altLang="en-US" smtClean="0"/>
-              <a:t>2022/7/12</a:t>
+              <a:t>2022/7/13</a:t>
             </a:fld>
             <a:endParaRPr lang="zh-CN" altLang="en-US"/>
           </a:p>
@@ -825,7 +825,7 @@
           <a:p>
             <a:fld id="{85AB0413-2FFF-46C2-98D1-488EA38DD690}" type="datetime1">
               <a:rPr lang="zh-CN" altLang="en-US" smtClean="0"/>
-              <a:t>2022/7/12</a:t>
+              <a:t>2022/7/13</a:t>
             </a:fld>
             <a:endParaRPr lang="zh-CN" altLang="en-US"/>
           </a:p>
@@ -1041,7 +1041,7 @@
           <a:p>
             <a:fld id="{50DA80E8-AB52-4369-B0E8-CCA8E04F18AF}" type="datetime1">
               <a:rPr lang="zh-CN" altLang="en-US" smtClean="0"/>
-              <a:t>2022/7/12</a:t>
+              <a:t>2022/7/13</a:t>
             </a:fld>
             <a:endParaRPr lang="zh-CN" altLang="en-US"/>
           </a:p>
@@ -1247,7 +1247,7 @@
           <a:p>
             <a:fld id="{2750015E-B5F4-40FB-A420-771076B76725}" type="datetime1">
               <a:rPr lang="zh-CN" altLang="en-US" smtClean="0"/>
-              <a:t>2022/7/12</a:t>
+              <a:t>2022/7/13</a:t>
             </a:fld>
             <a:endParaRPr lang="zh-CN" altLang="en-US"/>
           </a:p>
@@ -1530,7 +1530,7 @@
           <a:p>
             <a:fld id="{D8D7F58D-6340-4258-84B2-51D872870289}" type="datetime1">
               <a:rPr lang="zh-CN" altLang="en-US" smtClean="0"/>
-              <a:t>2022/7/12</a:t>
+              <a:t>2022/7/13</a:t>
             </a:fld>
             <a:endParaRPr lang="zh-CN" altLang="en-US"/>
           </a:p>
@@ -1803,7 +1803,7 @@
           <a:p>
             <a:fld id="{CF95930F-BC8D-4291-A347-52EE457F28AC}" type="datetime1">
               <a:rPr lang="zh-CN" altLang="en-US" smtClean="0"/>
-              <a:t>2022/7/12</a:t>
+              <a:t>2022/7/13</a:t>
             </a:fld>
             <a:endParaRPr lang="zh-CN" altLang="en-US"/>
           </a:p>
@@ -2223,7 +2223,7 @@
           <a:p>
             <a:fld id="{A0144562-18EF-4804-B489-529351FE0EFB}" type="datetime1">
               <a:rPr lang="zh-CN" altLang="en-US" smtClean="0"/>
-              <a:t>2022/7/12</a:t>
+              <a:t>2022/7/13</a:t>
             </a:fld>
             <a:endParaRPr lang="zh-CN" altLang="en-US"/>
           </a:p>
@@ -2372,7 +2372,7 @@
           <a:p>
             <a:fld id="{87AACDD8-1178-4728-8218-7551296B221B}" type="datetime1">
               <a:rPr lang="zh-CN" altLang="en-US" smtClean="0"/>
-              <a:t>2022/7/12</a:t>
+              <a:t>2022/7/13</a:t>
             </a:fld>
             <a:endParaRPr lang="zh-CN" altLang="en-US"/>
           </a:p>
@@ -2493,7 +2493,7 @@
           <a:p>
             <a:fld id="{03893235-274C-41AC-BC84-3C7717B495DB}" type="datetime1">
               <a:rPr lang="zh-CN" altLang="en-US" smtClean="0"/>
-              <a:t>2022/7/12</a:t>
+              <a:t>2022/7/13</a:t>
             </a:fld>
             <a:endParaRPr lang="zh-CN" altLang="en-US"/>
           </a:p>
@@ -2812,7 +2812,7 @@
           <a:p>
             <a:fld id="{B9E0922B-B69D-4DE3-9B28-B7CBDD995048}" type="datetime1">
               <a:rPr lang="zh-CN" altLang="en-US" smtClean="0"/>
-              <a:t>2022/7/12</a:t>
+              <a:t>2022/7/13</a:t>
             </a:fld>
             <a:endParaRPr lang="zh-CN" altLang="en-US"/>
           </a:p>
@@ -3108,7 +3108,7 @@
           <a:p>
             <a:fld id="{42048F93-B386-48E1-A4A4-90C957DCE639}" type="datetime1">
               <a:rPr lang="zh-CN" altLang="en-US" smtClean="0"/>
-              <a:t>2022/7/12</a:t>
+              <a:t>2022/7/13</a:t>
             </a:fld>
             <a:endParaRPr lang="zh-CN" altLang="en-US"/>
           </a:p>
@@ -3357,7 +3357,7 @@
           <a:p>
             <a:fld id="{2E2D3690-DEAE-4EF6-9EC5-36B2D000055D}" type="datetime1">
               <a:rPr lang="zh-CN" altLang="en-US" smtClean="0"/>
-              <a:t>2022/7/12</a:t>
+              <a:t>2022/7/13</a:t>
             </a:fld>
             <a:endParaRPr lang="zh-CN" altLang="en-US"/>
           </a:p>
@@ -4011,7 +4011,10 @@
               <a:rPr lang="en-US" altLang="zh-CN" sz="3200" dirty="0"/>
               <a:t>8</a:t>
             </a:r>
-            <a:endParaRPr lang="zh-CN" altLang="en-US" sz="3200" dirty="0"/>
+            <a:r>
+              <a:rPr lang="zh-CN" altLang="en-US" sz="3200" dirty="0"/>
+              <a:t> </a:t>
+            </a:r>
           </a:p>
         </p:txBody>
       </p:sp>
@@ -4265,14 +4268,18 @@
           <a:lstStyle/>
           <a:p>
             <a:r>
-              <a:rPr lang="zh-CN" altLang="en-US"/>
+              <a:rPr lang="zh-CN" altLang="en-US" dirty="0"/>
               <a:t>马士兵教育 </a:t>
             </a:r>
             <a:r>
-              <a:rPr lang="en-US" altLang="zh-CN"/>
-              <a:t>http://mashibing.com</a:t>
-            </a:r>
-            <a:endParaRPr lang="zh-CN" altLang="en-US"/>
+              <a:rPr lang="en-US" altLang="zh-CN" dirty="0"/>
+              <a:t>http://</a:t>
+            </a:r>
+            <a:r>
+              <a:rPr lang="en-US" altLang="zh-CN" dirty="0" err="1"/>
+              <a:t>mashibing.com</a:t>
+            </a:r>
+            <a:endParaRPr lang="zh-CN" altLang="en-US" dirty="0"/>
           </a:p>
         </p:txBody>
       </p:sp>
@@ -4385,7 +4392,10 @@
               <a:rPr lang="en-US" altLang="zh-CN" sz="3200" dirty="0"/>
               <a:t>4</a:t>
             </a:r>
-            <a:endParaRPr lang="zh-CN" altLang="en-US" sz="3200" dirty="0"/>
+            <a:r>
+              <a:rPr lang="zh-CN" altLang="en-US" sz="3200" dirty="0"/>
+              <a:t> （对数器）</a:t>
+            </a:r>
           </a:p>
         </p:txBody>
       </p:sp>
@@ -4840,7 +4850,10 @@
               <a:rPr lang="en-US" altLang="zh-CN" sz="3200" dirty="0"/>
               <a:t>2</a:t>
             </a:r>
-            <a:endParaRPr lang="zh-CN" altLang="en-US" sz="3200" dirty="0"/>
+            <a:r>
+              <a:rPr lang="zh-CN" altLang="en-US" sz="3200" dirty="0"/>
+              <a:t> （对数器）</a:t>
+            </a:r>
           </a:p>
         </p:txBody>
       </p:sp>
@@ -5435,7 +5448,7 @@
         </p:spPr>
         <p:txBody>
           <a:bodyPr>
-            <a:normAutofit/>
+            <a:normAutofit lnSpcReduction="10000"/>
           </a:bodyPr>
           <a:lstStyle/>
           <a:p>
@@ -5571,6 +5584,50 @@
             <a:r>
               <a:rPr lang="zh-CN" altLang="en-US" dirty="0"/>
               <a:t>返回最少的船数</a:t>
+            </a:r>
+            <a:endParaRPr lang="en-US" altLang="zh-CN" dirty="0"/>
+          </a:p>
+          <a:p>
+            <a:pPr marL="0" marR="0" lvl="0" indent="0" defTabSz="914400" eaLnBrk="1" fontAlgn="auto" latinLnBrk="0" hangingPunct="1">
+              <a:lnSpc>
+                <a:spcPct val="100000"/>
+              </a:lnSpc>
+              <a:spcBef>
+                <a:spcPts val="0"/>
+              </a:spcBef>
+              <a:spcAft>
+                <a:spcPts val="0"/>
+              </a:spcAft>
+              <a:buClrTx/>
+              <a:buSzTx/>
+              <a:buFontTx/>
+              <a:buNone/>
+              <a:tabLst/>
+              <a:defRPr/>
+            </a:pPr>
+            <a:endParaRPr lang="en-US" altLang="zh-CN" dirty="0"/>
+          </a:p>
+          <a:p>
+            <a:pPr marL="0" marR="0" lvl="0" indent="0" defTabSz="914400" eaLnBrk="1" fontAlgn="auto" latinLnBrk="0" hangingPunct="1">
+              <a:lnSpc>
+                <a:spcPct val="100000"/>
+              </a:lnSpc>
+              <a:spcBef>
+                <a:spcPts val="0"/>
+              </a:spcBef>
+              <a:spcAft>
+                <a:spcPts val="0"/>
+              </a:spcAft>
+              <a:buClrTx/>
+              <a:buSzTx/>
+              <a:buFontTx/>
+              <a:buNone/>
+              <a:tabLst/>
+              <a:defRPr/>
+            </a:pPr>
+            <a:r>
+              <a:rPr lang="en-US" altLang="zh-CN" dirty="0" err="1"/>
+              <a:t>LeetCode</a:t>
             </a:r>
             <a:endParaRPr lang="en-US" altLang="zh-CN" dirty="0"/>
           </a:p>
